--- a/Mariner1Crash.pptx
+++ b/Mariner1Crash.pptx
@@ -4,6 +4,9 @@
   <p:sldMasterIdLst>
     <p:sldMasterId id="2147483660" r:id="rId1"/>
   </p:sldMasterIdLst>
+  <p:handoutMasterIdLst>
+    <p:handoutMasterId r:id="rId8"/>
+  </p:handoutMasterIdLst>
   <p:sldIdLst>
     <p:sldId id="256" r:id="rId2"/>
     <p:sldId id="257" r:id="rId3"/>
@@ -115,6 +118,171 @@
     </p:ext>
   </p:extLst>
 </p:presentation>
+</file>
+
+<file path=ppt/handoutMasters/handoutMaster1.xml><?xml version="1.0" encoding="utf-8"?>
+<p:handoutMaster xmlns:a="http://schemas.openxmlformats.org/drawingml/2006/main" xmlns:r="http://schemas.openxmlformats.org/officeDocument/2006/relationships" xmlns:p="http://schemas.openxmlformats.org/presentationml/2006/main">
+  <p:cSld>
+    <p:bg>
+      <p:bgRef idx="1001">
+        <a:schemeClr val="bg1"/>
+      </p:bgRef>
+    </p:bg>
+    <p:spTree>
+      <p:nvGrpSpPr>
+        <p:cNvPr id="1" name=""/>
+        <p:cNvGrpSpPr/>
+        <p:nvPr/>
+      </p:nvGrpSpPr>
+      <p:grpSpPr>
+        <a:xfrm>
+          <a:off x="0" y="0"/>
+          <a:ext cx="0" cy="0"/>
+          <a:chOff x="0" y="0"/>
+          <a:chExt cx="0" cy="0"/>
+        </a:xfrm>
+      </p:grpSpPr>
+      <p:sp>
+        <p:nvSpPr>
+          <p:cNvPr id="2" name="Header Placeholder 1"/>
+          <p:cNvSpPr>
+            <a:spLocks noGrp="1"/>
+          </p:cNvSpPr>
+          <p:nvPr>
+            <p:ph type="hdr" sz="quarter"/>
+          </p:nvPr>
+        </p:nvSpPr>
+        <p:spPr>
+          <a:xfrm>
+            <a:off x="0" y="0"/>
+            <a:ext cx="2971800" cy="458788"/>
+          </a:xfrm>
+          <a:prstGeom prst="rect">
+            <a:avLst/>
+          </a:prstGeom>
+        </p:spPr>
+        <p:txBody>
+          <a:bodyPr vert="horz" lIns="91440" tIns="45720" rIns="91440" bIns="45720" rtlCol="0"/>
+          <a:lstStyle>
+            <a:lvl1pPr algn="l">
+              <a:defRPr sz="1200"/>
+            </a:lvl1pPr>
+          </a:lstStyle>
+          <a:p>
+            <a:endParaRPr lang="en-US"/>
+          </a:p>
+        </p:txBody>
+      </p:sp>
+      <p:sp>
+        <p:nvSpPr>
+          <p:cNvPr id="3" name="Date Placeholder 2"/>
+          <p:cNvSpPr>
+            <a:spLocks noGrp="1"/>
+          </p:cNvSpPr>
+          <p:nvPr>
+            <p:ph type="dt" sz="quarter" idx="1"/>
+          </p:nvPr>
+        </p:nvSpPr>
+        <p:spPr>
+          <a:xfrm>
+            <a:off x="3884613" y="0"/>
+            <a:ext cx="2971800" cy="458788"/>
+          </a:xfrm>
+          <a:prstGeom prst="rect">
+            <a:avLst/>
+          </a:prstGeom>
+        </p:spPr>
+        <p:txBody>
+          <a:bodyPr vert="horz" lIns="91440" tIns="45720" rIns="91440" bIns="45720" rtlCol="0"/>
+          <a:lstStyle>
+            <a:lvl1pPr algn="r">
+              <a:defRPr sz="1200"/>
+            </a:lvl1pPr>
+          </a:lstStyle>
+          <a:p>
+            <a:fld id="{1CBFCDF5-A7A9-401B-8422-0D440CDC7EE7}" type="datetimeFigureOut">
+              <a:rPr lang="en-US" smtClean="0"/>
+              <a:t>13.11.2015</a:t>
+            </a:fld>
+            <a:endParaRPr lang="en-US"/>
+          </a:p>
+        </p:txBody>
+      </p:sp>
+      <p:sp>
+        <p:nvSpPr>
+          <p:cNvPr id="4" name="Footer Placeholder 3"/>
+          <p:cNvSpPr>
+            <a:spLocks noGrp="1"/>
+          </p:cNvSpPr>
+          <p:nvPr>
+            <p:ph type="ftr" sz="quarter" idx="2"/>
+          </p:nvPr>
+        </p:nvSpPr>
+        <p:spPr>
+          <a:xfrm>
+            <a:off x="0" y="8685213"/>
+            <a:ext cx="2971800" cy="458787"/>
+          </a:xfrm>
+          <a:prstGeom prst="rect">
+            <a:avLst/>
+          </a:prstGeom>
+        </p:spPr>
+        <p:txBody>
+          <a:bodyPr vert="horz" lIns="91440" tIns="45720" rIns="91440" bIns="45720" rtlCol="0" anchor="b"/>
+          <a:lstStyle>
+            <a:lvl1pPr algn="l">
+              <a:defRPr sz="1200"/>
+            </a:lvl1pPr>
+          </a:lstStyle>
+          <a:p>
+            <a:endParaRPr lang="en-US"/>
+          </a:p>
+        </p:txBody>
+      </p:sp>
+      <p:sp>
+        <p:nvSpPr>
+          <p:cNvPr id="5" name="Slide Number Placeholder 4"/>
+          <p:cNvSpPr>
+            <a:spLocks noGrp="1"/>
+          </p:cNvSpPr>
+          <p:nvPr>
+            <p:ph type="sldNum" sz="quarter" idx="3"/>
+          </p:nvPr>
+        </p:nvSpPr>
+        <p:spPr>
+          <a:xfrm>
+            <a:off x="3884613" y="8685213"/>
+            <a:ext cx="2971800" cy="458787"/>
+          </a:xfrm>
+          <a:prstGeom prst="rect">
+            <a:avLst/>
+          </a:prstGeom>
+        </p:spPr>
+        <p:txBody>
+          <a:bodyPr vert="horz" lIns="91440" tIns="45720" rIns="91440" bIns="45720" rtlCol="0" anchor="b"/>
+          <a:lstStyle>
+            <a:lvl1pPr algn="r">
+              <a:defRPr sz="1200"/>
+            </a:lvl1pPr>
+          </a:lstStyle>
+          <a:p>
+            <a:fld id="{E9A32078-15AB-4F11-9D2B-AE38CCCBCA4E}" type="slidenum">
+              <a:rPr lang="en-US" smtClean="0"/>
+              <a:t>‹#›</a:t>
+            </a:fld>
+            <a:endParaRPr lang="en-US"/>
+          </a:p>
+        </p:txBody>
+      </p:sp>
+    </p:spTree>
+    <p:extLst>
+      <p:ext uri="{BB962C8B-B14F-4D97-AF65-F5344CB8AC3E}">
+        <p14:creationId xmlns:p14="http://schemas.microsoft.com/office/powerpoint/2010/main" val="2124990412"/>
+      </p:ext>
+    </p:extLst>
+  </p:cSld>
+  <p:clrMap bg1="lt1" tx1="dk1" bg2="lt2" tx2="dk2" accent1="accent1" accent2="accent2" accent3="accent3" accent4="accent4" accent5="accent5" accent6="accent6" hlink="hlink" folHlink="folHlink"/>
+</p:handoutMaster>
 </file>
 
 <file path=ppt/slideLayouts/slideLayout1.xml><?xml version="1.0" encoding="utf-8"?>
@@ -7334,15 +7502,96 @@
         </p:nvSpPr>
         <p:spPr>
           <a:xfrm>
-            <a:off x="816428" y="1515392"/>
-            <a:ext cx="10765971" cy="3751934"/>
+            <a:off x="1021080" y="1515392"/>
+            <a:ext cx="9949703" cy="3772888"/>
           </a:xfrm>
         </p:spPr>
         <p:txBody>
           <a:bodyPr>
-            <a:normAutofit fontScale="85000" lnSpcReduction="20000"/>
+            <a:normAutofit fontScale="70000" lnSpcReduction="20000"/>
           </a:bodyPr>
           <a:lstStyle/>
+          <a:p>
+            <a:pPr>
+              <a:spcAft>
+                <a:spcPts val="600"/>
+              </a:spcAft>
+              <a:buClr>
+                <a:srgbClr val="C7F5D4"/>
+              </a:buClr>
+              <a:buFont typeface="Wingdings" panose="05000000000000000000" pitchFamily="2" charset="2"/>
+              <a:buChar char="Ø"/>
+            </a:pPr>
+            <a:r>
+              <a:rPr lang="en-US" sz="2800" dirty="0"/>
+              <a:t>The launch was aborted due to a combination of two failures, an antenna hardware failure and an onboard guidance system software failure.</a:t>
+            </a:r>
+            <a:endParaRPr lang="en-US" sz="2800" dirty="0" smtClean="0"/>
+          </a:p>
+          <a:p>
+            <a:pPr>
+              <a:spcAft>
+                <a:spcPts val="600"/>
+              </a:spcAft>
+              <a:buClr>
+                <a:srgbClr val="C7F5D4"/>
+              </a:buClr>
+              <a:buFont typeface="Wingdings" panose="05000000000000000000" pitchFamily="2" charset="2"/>
+              <a:buChar char="Ø"/>
+            </a:pPr>
+            <a:r>
+              <a:rPr lang="en-US" sz="2800" dirty="0" smtClean="0"/>
+              <a:t>The </a:t>
+            </a:r>
+            <a:r>
+              <a:rPr lang="en-US" sz="2800" dirty="0"/>
+              <a:t>error was in hand-transcription of a mathematical symbol in the program specification for the guidance system, in particular a missing </a:t>
+            </a:r>
+            <a:r>
+              <a:rPr lang="en-US" sz="2800" dirty="0" smtClean="0"/>
+              <a:t>overbar.</a:t>
+            </a:r>
+          </a:p>
+          <a:p>
+            <a:pPr>
+              <a:spcAft>
+                <a:spcPts val="600"/>
+              </a:spcAft>
+              <a:buClr>
+                <a:srgbClr val="C7F5D4"/>
+              </a:buClr>
+              <a:buFont typeface="Wingdings" panose="05000000000000000000" pitchFamily="2" charset="2"/>
+              <a:buChar char="Ø"/>
+            </a:pPr>
+            <a:r>
+              <a:rPr lang="en-US" sz="2800" dirty="0" smtClean="0"/>
+              <a:t> A </a:t>
+            </a:r>
+            <a:r>
+              <a:rPr lang="en-US" sz="2800" dirty="0"/>
+              <a:t>symbol was being transcribed by hand in the specification for the guidance program. The writer missed the superscript </a:t>
+            </a:r>
+            <a:r>
+              <a:rPr lang="en-US" sz="2800" dirty="0" smtClean="0"/>
+              <a:t>bar </a:t>
+            </a:r>
+            <a:r>
+              <a:rPr lang="en-US" sz="2800" dirty="0"/>
+              <a:t>by which was meant "the </a:t>
+            </a:r>
+            <a:r>
+              <a:rPr lang="en-US" sz="2800" i="1" dirty="0"/>
+              <a:t>n</a:t>
+            </a:r>
+            <a:r>
+              <a:rPr lang="en-US" sz="2800" dirty="0"/>
+              <a:t>th smoothed value of the time derivative of a radius </a:t>
+            </a:r>
+            <a:r>
+              <a:rPr lang="en-US" sz="2800" dirty="0" smtClean="0"/>
+              <a:t>R“.</a:t>
+            </a:r>
+          </a:p>
           <a:p>
             <a:pPr>
               <a:buClr>
@@ -7352,107 +7601,14 @@
               <a:buChar char="Ø"/>
             </a:pPr>
             <a:r>
-              <a:rPr lang="en-US" dirty="0" smtClean="0"/>
-              <a:t> </a:t>
-            </a:r>
-            <a:r>
               <a:rPr lang="en-US" sz="2800" dirty="0" smtClean="0"/>
-              <a:t>This shutdown occurred 36.7 seconds after launch, when the guidance system's own computer tried to convert one piece of data -- </a:t>
-            </a:r>
-            <a:r>
-              <a:rPr lang="en-US" sz="2600" dirty="0" smtClean="0"/>
-              <a:t>the </a:t>
-            </a:r>
-            <a:r>
-              <a:rPr lang="en-US" sz="2600" dirty="0" smtClean="0">
-                <a:solidFill>
-                  <a:schemeClr val="accent5">
-                    <a:lumMod val="20000"/>
-                    <a:lumOff val="80000"/>
-                  </a:schemeClr>
-                </a:solidFill>
-              </a:rPr>
-              <a:t>sideways velocity </a:t>
-            </a:r>
-            <a:r>
-              <a:rPr lang="en-US" sz="2600" dirty="0" smtClean="0"/>
-              <a:t>of the rocket -- from a </a:t>
-            </a:r>
-            <a:r>
-              <a:rPr lang="en-US" sz="2600" dirty="0" smtClean="0">
-                <a:solidFill>
-                  <a:schemeClr val="accent5">
-                    <a:lumMod val="20000"/>
-                    <a:lumOff val="80000"/>
-                  </a:schemeClr>
-                </a:solidFill>
-              </a:rPr>
-              <a:t>64-bit</a:t>
-            </a:r>
-            <a:r>
-              <a:rPr lang="en-US" sz="2600" dirty="0" smtClean="0"/>
-              <a:t> format to a </a:t>
-            </a:r>
-            <a:r>
-              <a:rPr lang="en-US" sz="2600" dirty="0" smtClean="0">
-                <a:solidFill>
-                  <a:schemeClr val="accent5">
-                    <a:lumMod val="20000"/>
-                    <a:lumOff val="80000"/>
-                  </a:schemeClr>
-                </a:solidFill>
-              </a:rPr>
-              <a:t>16-bit </a:t>
-            </a:r>
-            <a:r>
-              <a:rPr lang="en-US" sz="2600" dirty="0" smtClean="0"/>
-              <a:t>format.</a:t>
-            </a:r>
-            <a:br>
-              <a:rPr lang="en-US" sz="2600" dirty="0" smtClean="0"/>
-            </a:br>
-            <a:r>
-              <a:rPr lang="en-US" sz="2600" dirty="0" smtClean="0"/>
-              <a:t/>
-            </a:r>
-            <a:br>
-              <a:rPr lang="en-US" sz="2600" dirty="0" smtClean="0"/>
-            </a:br>
-            <a:r>
-              <a:rPr lang="en-US" sz="2600" dirty="0" smtClean="0"/>
-              <a:t>The number was too big, and an overflow error resulted. </a:t>
-            </a:r>
-            <a:br>
-              <a:rPr lang="en-US" sz="2600" dirty="0" smtClean="0"/>
-            </a:br>
-            <a:r>
-              <a:rPr lang="en-US" sz="2600" dirty="0" smtClean="0"/>
-              <a:t/>
-            </a:r>
-            <a:br>
-              <a:rPr lang="en-US" sz="2600" dirty="0" smtClean="0"/>
-            </a:br>
-            <a:r>
-              <a:rPr lang="en-US" sz="2600" dirty="0" smtClean="0"/>
-              <a:t>When the guidance system shut down, it passed control to an identical, redundant unit, which was there to provide backup in case of just such a failure. But the second unit had failed in the identical manner a few milliseconds before. </a:t>
-            </a:r>
-            <a:br>
-              <a:rPr lang="en-US" sz="2600" dirty="0" smtClean="0"/>
-            </a:br>
-            <a:r>
-              <a:rPr lang="en-US" sz="2600" dirty="0" smtClean="0"/>
-              <a:t/>
-            </a:r>
-            <a:br>
-              <a:rPr lang="en-US" sz="2600" dirty="0" smtClean="0"/>
-            </a:br>
-            <a:r>
-              <a:rPr lang="en-US" sz="2600" dirty="0" smtClean="0"/>
-              <a:t>And why not? It was running the same software.</a:t>
-            </a:r>
-          </a:p>
-          <a:p>
-            <a:endParaRPr lang="en-US" dirty="0"/>
+              <a:t>Since </a:t>
+            </a:r>
+            <a:r>
+              <a:rPr lang="en-US" sz="2800" dirty="0"/>
+              <a:t>the smoothing function indicated by the bar was left out of the specification for the program, the implementation treated normal minor variations of velocity as if they were serious, causing spurious corrections that sent the rocket off course.</a:t>
+            </a:r>
+            <a:endParaRPr lang="en-US" sz="2800" dirty="0" smtClean="0"/>
           </a:p>
         </p:txBody>
       </p:sp>
@@ -7481,7 +7637,6 @@
               <a:rPr lang="en-US" sz="4000" dirty="0"/>
               <a:t>Cause</a:t>
             </a:r>
-            <a:endParaRPr lang="en-US" sz="4000" dirty="0"/>
           </a:p>
         </p:txBody>
       </p:sp>
@@ -7588,6 +7743,36 @@
           </a:p>
         </p:txBody>
       </p:sp>
+      <p:pic>
+        <p:nvPicPr>
+          <p:cNvPr id="2" name="Picture 1"/>
+          <p:cNvPicPr>
+            <a:picLocks noChangeAspect="1"/>
+          </p:cNvPicPr>
+          <p:nvPr/>
+        </p:nvPicPr>
+        <p:blipFill>
+          <a:blip r:embed="rId2">
+            <a:extLst>
+              <a:ext uri="{28A0092B-C50C-407E-A947-70E740481C1C}">
+                <a14:useLocalDpi xmlns:a14="http://schemas.microsoft.com/office/drawing/2010/main" val="0"/>
+              </a:ext>
+            </a:extLst>
+          </a:blip>
+          <a:stretch>
+            <a:fillRect/>
+          </a:stretch>
+        </p:blipFill>
+        <p:spPr>
+          <a:xfrm>
+            <a:off x="10970783" y="2378157"/>
+            <a:ext cx="1001062" cy="887734"/>
+          </a:xfrm>
+          <a:prstGeom prst="rect">
+            <a:avLst/>
+          </a:prstGeom>
+        </p:spPr>
+      </p:pic>
     </p:spTree>
     <p:extLst>
       <p:ext uri="{BB962C8B-B14F-4D97-AF65-F5344CB8AC3E}">
@@ -7636,7 +7821,7 @@
         </p:spPr>
         <p:txBody>
           <a:bodyPr>
-            <a:normAutofit fontScale="92500" lnSpcReduction="10000"/>
+            <a:normAutofit fontScale="85000" lnSpcReduction="20000"/>
           </a:bodyPr>
           <a:lstStyle/>
           <a:p>
@@ -7655,17 +7840,21 @@
             </a:pPr>
             <a:r>
               <a:rPr lang="en-US" sz="2800" dirty="0" smtClean="0"/>
-              <a:t>In </a:t>
+              <a:t>The omission </a:t>
             </a:r>
             <a:r>
               <a:rPr lang="en-US" sz="2800" dirty="0"/>
-              <a:t>this case, the programmers had decided that this particular velocity figure would never be large enough to cause </a:t>
-            </a:r>
-            <a:r>
-              <a:rPr lang="en-US" sz="2800" dirty="0" smtClean="0"/>
-              <a:t>trouble.</a:t>
-            </a:r>
-            <a:endParaRPr lang="en-US" sz="2800" dirty="0"/>
+              <a:t>of a hyphen </a:t>
+            </a:r>
+            <a:r>
+              <a:rPr lang="en-US" sz="2800" i="1" dirty="0"/>
+              <a:t>in coded computer instructions in the data-editing program</a:t>
+            </a:r>
+            <a:r>
+              <a:rPr lang="en-US" sz="2800" dirty="0"/>
+              <a:t> allowed transmission of incorrect guidance signals to the spacecraft. </a:t>
+            </a:r>
+            <a:endParaRPr lang="en-US" sz="2800" dirty="0" smtClean="0"/>
           </a:p>
           <a:p>
             <a:pPr>
@@ -7682,20 +7871,34 @@
               <a:buChar char="Ø"/>
             </a:pPr>
             <a:r>
+              <a:rPr lang="en-US" sz="2800" dirty="0" smtClean="0"/>
+              <a:t>The omission </a:t>
+            </a:r>
+            <a:r>
               <a:rPr lang="en-US" sz="2800" dirty="0"/>
-              <a:t>The calculation containing the bug actually served no purpose once the rocket was in the </a:t>
+              <a:t>of the hyphen </a:t>
+            </a:r>
+            <a:r>
+              <a:rPr lang="en-US" sz="2800" i="1" dirty="0"/>
+              <a:t>in the data-editing program</a:t>
+            </a:r>
+            <a:r>
+              <a:rPr lang="en-US" sz="2800" dirty="0"/>
+              <a:t> caused the computer to incorrectly accept the sweep frequency of the ground receiver as it sought the vehicle beacon signal and combined this data with the tracking data sent to the remaining guidance </a:t>
             </a:r>
             <a:r>
               <a:rPr lang="en-US" sz="2800" dirty="0" smtClean="0"/>
-              <a:t>air.</a:t>
-            </a:r>
-            <a:endParaRPr lang="en-US" sz="2800" dirty="0"/>
+              <a:t>computation.</a:t>
+            </a:r>
           </a:p>
           <a:p>
             <a:pPr>
               <a:lnSpc>
                 <a:spcPct val="100000"/>
               </a:lnSpc>
+              <a:spcAft>
+                <a:spcPts val="600"/>
+              </a:spcAft>
               <a:buClr>
                 <a:srgbClr val="C7F5D4"/>
               </a:buClr>
@@ -7703,34 +7906,12 @@
               <a:buChar char="Ø"/>
             </a:pPr>
             <a:r>
+              <a:rPr lang="en-US" sz="2800" dirty="0" smtClean="0"/>
+              <a:t>This </a:t>
+            </a:r>
+            <a:r>
               <a:rPr lang="en-US" sz="2800" dirty="0"/>
-              <a:t>It should have been turned off. But engineers chose long ago, in an earlier version of the Arianne, to leave this function running for the first 40 seconds of flight -- a "</a:t>
-            </a:r>
-            <a:r>
-              <a:rPr lang="en-US" sz="2800" dirty="0">
-                <a:solidFill>
-                  <a:schemeClr val="accent5">
-                    <a:lumMod val="20000"/>
-                    <a:lumOff val="80000"/>
-                  </a:schemeClr>
-                </a:solidFill>
-              </a:rPr>
-              <a:t>special </a:t>
-            </a:r>
-            <a:r>
-              <a:rPr lang="en-US" sz="2800" dirty="0" smtClean="0">
-                <a:solidFill>
-                  <a:schemeClr val="accent5">
-                    <a:lumMod val="20000"/>
-                    <a:lumOff val="80000"/>
-                  </a:schemeClr>
-                </a:solidFill>
-              </a:rPr>
-              <a:t>feature</a:t>
-            </a:r>
-            <a:r>
-              <a:rPr lang="en-US" sz="2800" dirty="0" smtClean="0"/>
-              <a:t>“.</a:t>
+              <a:t>caused the computer to swing automatically into a series of unnecessary course corrections with erroneous steering commands which finally threw the spacecraft off course.</a:t>
             </a:r>
             <a:endParaRPr lang="en-US" sz="2800" dirty="0"/>
           </a:p>
@@ -8525,4 +8706,265 @@
     </a:ext>
   </a:extLst>
 </a:theme>
+</file>
+
+<file path=ppt/theme/theme2.xml><?xml version="1.0" encoding="utf-8"?>
+<a:theme xmlns:a="http://schemas.openxmlformats.org/drawingml/2006/main" name="Office Theme">
+  <a:themeElements>
+    <a:clrScheme name="Office">
+      <a:dk1>
+        <a:sysClr val="windowText" lastClr="000000"/>
+      </a:dk1>
+      <a:lt1>
+        <a:sysClr val="window" lastClr="FFFFFF"/>
+      </a:lt1>
+      <a:dk2>
+        <a:srgbClr val="44546A"/>
+      </a:dk2>
+      <a:lt2>
+        <a:srgbClr val="E7E6E6"/>
+      </a:lt2>
+      <a:accent1>
+        <a:srgbClr val="5B9BD5"/>
+      </a:accent1>
+      <a:accent2>
+        <a:srgbClr val="ED7D31"/>
+      </a:accent2>
+      <a:accent3>
+        <a:srgbClr val="A5A5A5"/>
+      </a:accent3>
+      <a:accent4>
+        <a:srgbClr val="FFC000"/>
+      </a:accent4>
+      <a:accent5>
+        <a:srgbClr val="4472C4"/>
+      </a:accent5>
+      <a:accent6>
+        <a:srgbClr val="70AD47"/>
+      </a:accent6>
+      <a:hlink>
+        <a:srgbClr val="0563C1"/>
+      </a:hlink>
+      <a:folHlink>
+        <a:srgbClr val="954F72"/>
+      </a:folHlink>
+    </a:clrScheme>
+    <a:fontScheme name="Office">
+      <a:majorFont>
+        <a:latin typeface="Calibri Light" panose="020F0302020204030204"/>
+        <a:ea typeface=""/>
+        <a:cs typeface=""/>
+        <a:font script="Jpan" typeface="ＭＳ Ｐゴシック"/>
+        <a:font script="Hang" typeface="맑은 고딕"/>
+        <a:font script="Hans" typeface="宋体"/>
+        <a:font script="Hant" typeface="新細明體"/>
+        <a:font script="Arab" typeface="Times New Roman"/>
+        <a:font script="Hebr" typeface="Times New Roman"/>
+        <a:font script="Thai" typeface="Angsana New"/>
+        <a:font script="Ethi" typeface="Nyala"/>
+        <a:font script="Beng" typeface="Vrinda"/>
+        <a:font script="Gujr" typeface="Shruti"/>
+        <a:font script="Khmr" typeface="MoolBoran"/>
+        <a:font script="Knda" typeface="Tunga"/>
+        <a:font script="Guru" typeface="Raavi"/>
+        <a:font script="Cans" typeface="Euphemia"/>
+        <a:font script="Cher" typeface="Plantagenet Cherokee"/>
+        <a:font script="Yiii" typeface="Microsoft Yi Baiti"/>
+        <a:font script="Tibt" typeface="Microsoft Himalaya"/>
+        <a:font script="Thaa" typeface="MV Boli"/>
+        <a:font script="Deva" typeface="Mangal"/>
+        <a:font script="Telu" typeface="Gautami"/>
+        <a:font script="Taml" typeface="Latha"/>
+        <a:font script="Syrc" typeface="Estrangelo Edessa"/>
+        <a:font script="Orya" typeface="Kalinga"/>
+        <a:font script="Mlym" typeface="Kartika"/>
+        <a:font script="Laoo" typeface="DokChampa"/>
+        <a:font script="Sinh" typeface="Iskoola Pota"/>
+        <a:font script="Mong" typeface="Mongolian Baiti"/>
+        <a:font script="Viet" typeface="Times New Roman"/>
+        <a:font script="Uigh" typeface="Microsoft Uighur"/>
+        <a:font script="Geor" typeface="Sylfaen"/>
+      </a:majorFont>
+      <a:minorFont>
+        <a:latin typeface="Calibri" panose="020F0502020204030204"/>
+        <a:ea typeface=""/>
+        <a:cs typeface=""/>
+        <a:font script="Jpan" typeface="ＭＳ Ｐゴシック"/>
+        <a:font script="Hang" typeface="맑은 고딕"/>
+        <a:font script="Hans" typeface="宋体"/>
+        <a:font script="Hant" typeface="新細明體"/>
+        <a:font script="Arab" typeface="Arial"/>
+        <a:font script="Hebr" typeface="Arial"/>
+        <a:font script="Thai" typeface="Cordia New"/>
+        <a:font script="Ethi" typeface="Nyala"/>
+        <a:font script="Beng" typeface="Vrinda"/>
+        <a:font script="Gujr" typeface="Shruti"/>
+        <a:font script="Khmr" typeface="DaunPenh"/>
+        <a:font script="Knda" typeface="Tunga"/>
+        <a:font script="Guru" typeface="Raavi"/>
+        <a:font script="Cans" typeface="Euphemia"/>
+        <a:font script="Cher" typeface="Plantagenet Cherokee"/>
+        <a:font script="Yiii" typeface="Microsoft Yi Baiti"/>
+        <a:font script="Tibt" typeface="Microsoft Himalaya"/>
+        <a:font script="Thaa" typeface="MV Boli"/>
+        <a:font script="Deva" typeface="Mangal"/>
+        <a:font script="Telu" typeface="Gautami"/>
+        <a:font script="Taml" typeface="Latha"/>
+        <a:font script="Syrc" typeface="Estrangelo Edessa"/>
+        <a:font script="Orya" typeface="Kalinga"/>
+        <a:font script="Mlym" typeface="Kartika"/>
+        <a:font script="Laoo" typeface="DokChampa"/>
+        <a:font script="Sinh" typeface="Iskoola Pota"/>
+        <a:font script="Mong" typeface="Mongolian Baiti"/>
+        <a:font script="Viet" typeface="Arial"/>
+        <a:font script="Uigh" typeface="Microsoft Uighur"/>
+        <a:font script="Geor" typeface="Sylfaen"/>
+      </a:minorFont>
+    </a:fontScheme>
+    <a:fmtScheme name="Office">
+      <a:fillStyleLst>
+        <a:solidFill>
+          <a:schemeClr val="phClr"/>
+        </a:solidFill>
+        <a:gradFill rotWithShape="1">
+          <a:gsLst>
+            <a:gs pos="0">
+              <a:schemeClr val="phClr">
+                <a:lumMod val="110000"/>
+                <a:satMod val="105000"/>
+                <a:tint val="67000"/>
+              </a:schemeClr>
+            </a:gs>
+            <a:gs pos="50000">
+              <a:schemeClr val="phClr">
+                <a:lumMod val="105000"/>
+                <a:satMod val="103000"/>
+                <a:tint val="73000"/>
+              </a:schemeClr>
+            </a:gs>
+            <a:gs pos="100000">
+              <a:schemeClr val="phClr">
+                <a:lumMod val="105000"/>
+                <a:satMod val="109000"/>
+                <a:tint val="81000"/>
+              </a:schemeClr>
+            </a:gs>
+          </a:gsLst>
+          <a:lin ang="5400000" scaled="0"/>
+        </a:gradFill>
+        <a:gradFill rotWithShape="1">
+          <a:gsLst>
+            <a:gs pos="0">
+              <a:schemeClr val="phClr">
+                <a:satMod val="103000"/>
+                <a:lumMod val="102000"/>
+                <a:tint val="94000"/>
+              </a:schemeClr>
+            </a:gs>
+            <a:gs pos="50000">
+              <a:schemeClr val="phClr">
+                <a:satMod val="110000"/>
+                <a:lumMod val="100000"/>
+                <a:shade val="100000"/>
+              </a:schemeClr>
+            </a:gs>
+            <a:gs pos="100000">
+              <a:schemeClr val="phClr">
+                <a:lumMod val="99000"/>
+                <a:satMod val="120000"/>
+                <a:shade val="78000"/>
+              </a:schemeClr>
+            </a:gs>
+          </a:gsLst>
+          <a:lin ang="5400000" scaled="0"/>
+        </a:gradFill>
+      </a:fillStyleLst>
+      <a:lnStyleLst>
+        <a:ln w="6350" cap="flat" cmpd="sng" algn="ctr">
+          <a:solidFill>
+            <a:schemeClr val="phClr"/>
+          </a:solidFill>
+          <a:prstDash val="solid"/>
+          <a:miter lim="800000"/>
+        </a:ln>
+        <a:ln w="12700" cap="flat" cmpd="sng" algn="ctr">
+          <a:solidFill>
+            <a:schemeClr val="phClr"/>
+          </a:solidFill>
+          <a:prstDash val="solid"/>
+          <a:miter lim="800000"/>
+        </a:ln>
+        <a:ln w="19050" cap="flat" cmpd="sng" algn="ctr">
+          <a:solidFill>
+            <a:schemeClr val="phClr"/>
+          </a:solidFill>
+          <a:prstDash val="solid"/>
+          <a:miter lim="800000"/>
+        </a:ln>
+      </a:lnStyleLst>
+      <a:effectStyleLst>
+        <a:effectStyle>
+          <a:effectLst/>
+        </a:effectStyle>
+        <a:effectStyle>
+          <a:effectLst/>
+        </a:effectStyle>
+        <a:effectStyle>
+          <a:effectLst>
+            <a:outerShdw blurRad="57150" dist="19050" dir="5400000" algn="ctr" rotWithShape="0">
+              <a:srgbClr val="000000">
+                <a:alpha val="63000"/>
+              </a:srgbClr>
+            </a:outerShdw>
+          </a:effectLst>
+        </a:effectStyle>
+      </a:effectStyleLst>
+      <a:bgFillStyleLst>
+        <a:solidFill>
+          <a:schemeClr val="phClr"/>
+        </a:solidFill>
+        <a:solidFill>
+          <a:schemeClr val="phClr">
+            <a:tint val="95000"/>
+            <a:satMod val="170000"/>
+          </a:schemeClr>
+        </a:solidFill>
+        <a:gradFill rotWithShape="1">
+          <a:gsLst>
+            <a:gs pos="0">
+              <a:schemeClr val="phClr">
+                <a:tint val="93000"/>
+                <a:satMod val="150000"/>
+                <a:shade val="98000"/>
+                <a:lumMod val="102000"/>
+              </a:schemeClr>
+            </a:gs>
+            <a:gs pos="50000">
+              <a:schemeClr val="phClr">
+                <a:tint val="98000"/>
+                <a:satMod val="130000"/>
+                <a:shade val="90000"/>
+                <a:lumMod val="103000"/>
+              </a:schemeClr>
+            </a:gs>
+            <a:gs pos="100000">
+              <a:schemeClr val="phClr">
+                <a:shade val="63000"/>
+                <a:satMod val="120000"/>
+              </a:schemeClr>
+            </a:gs>
+          </a:gsLst>
+          <a:lin ang="5400000" scaled="0"/>
+        </a:gradFill>
+      </a:bgFillStyleLst>
+    </a:fmtScheme>
+  </a:themeElements>
+  <a:objectDefaults/>
+  <a:extraClrSchemeLst/>
+  <a:extLst>
+    <a:ext uri="{05A4C25C-085E-4340-85A3-A5531E510DB2}">
+      <thm15:themeFamily xmlns:thm15="http://schemas.microsoft.com/office/thememl/2012/main" name="Office Theme" id="{62F939B6-93AF-4DB8-9C6B-D6C7DFDC589F}" vid="{4A3C46E8-61CC-4603-A589-7422A47A8E4A}"/>
+    </a:ext>
+  </a:extLst>
+</a:theme>
 </file>
--- a/Mariner1Crash.pptx
+++ b/Mariner1Crash.pptx
@@ -4,8 +4,11 @@
   <p:sldMasterIdLst>
     <p:sldMasterId id="2147483660" r:id="rId1"/>
   </p:sldMasterIdLst>
+  <p:notesMasterIdLst>
+    <p:notesMasterId r:id="rId8"/>
+  </p:notesMasterIdLst>
   <p:handoutMasterIdLst>
-    <p:handoutMasterId r:id="rId8"/>
+    <p:handoutMasterId r:id="rId9"/>
   </p:handoutMasterIdLst>
   <p:sldIdLst>
     <p:sldId id="256" r:id="rId2"/>
@@ -116,6 +119,9 @@
     <p:ext uri="{EFAFB233-063F-42B5-8137-9DF3F51BA10A}">
       <p15:sldGuideLst xmlns:p15="http://schemas.microsoft.com/office/powerpoint/2012/main"/>
     </p:ext>
+    <p:ext uri="{2D200454-40CA-4A62-9FC3-DE9A4176ACB9}">
+      <p15:notesGuideLst xmlns:p15="http://schemas.microsoft.com/office/powerpoint/2012/main"/>
+    </p:ext>
   </p:extLst>
 </p:presentation>
 </file>
@@ -202,7 +208,7 @@
           <a:p>
             <a:fld id="{1CBFCDF5-A7A9-401B-8422-0D440CDC7EE7}" type="datetimeFigureOut">
               <a:rPr lang="en-US" smtClean="0"/>
-              <a:t>13.11.2015</a:t>
+              <a:t>13-Nov-15</a:t>
             </a:fld>
             <a:endParaRPr lang="en-US"/>
           </a:p>
@@ -283,6 +289,454 @@
   </p:cSld>
   <p:clrMap bg1="lt1" tx1="dk1" bg2="lt2" tx2="dk2" accent1="accent1" accent2="accent2" accent3="accent3" accent4="accent4" accent5="accent5" accent6="accent6" hlink="hlink" folHlink="folHlink"/>
 </p:handoutMaster>
+</file>
+
+<file path=ppt/notesMasters/notesMaster1.xml><?xml version="1.0" encoding="utf-8"?>
+<p:notesMaster xmlns:a="http://schemas.openxmlformats.org/drawingml/2006/main" xmlns:r="http://schemas.openxmlformats.org/officeDocument/2006/relationships" xmlns:p="http://schemas.openxmlformats.org/presentationml/2006/main">
+  <p:cSld>
+    <p:bg>
+      <p:bgRef idx="1001">
+        <a:schemeClr val="bg1"/>
+      </p:bgRef>
+    </p:bg>
+    <p:spTree>
+      <p:nvGrpSpPr>
+        <p:cNvPr id="1" name=""/>
+        <p:cNvGrpSpPr/>
+        <p:nvPr/>
+      </p:nvGrpSpPr>
+      <p:grpSpPr>
+        <a:xfrm>
+          <a:off x="0" y="0"/>
+          <a:ext cx="0" cy="0"/>
+          <a:chOff x="0" y="0"/>
+          <a:chExt cx="0" cy="0"/>
+        </a:xfrm>
+      </p:grpSpPr>
+      <p:sp>
+        <p:nvSpPr>
+          <p:cNvPr id="2" name="Header Placeholder 1"/>
+          <p:cNvSpPr>
+            <a:spLocks noGrp="1"/>
+          </p:cNvSpPr>
+          <p:nvPr>
+            <p:ph type="hdr" sz="quarter"/>
+          </p:nvPr>
+        </p:nvSpPr>
+        <p:spPr>
+          <a:xfrm>
+            <a:off x="0" y="0"/>
+            <a:ext cx="2971800" cy="458788"/>
+          </a:xfrm>
+          <a:prstGeom prst="rect">
+            <a:avLst/>
+          </a:prstGeom>
+        </p:spPr>
+        <p:txBody>
+          <a:bodyPr vert="horz" lIns="91440" tIns="45720" rIns="91440" bIns="45720" rtlCol="0"/>
+          <a:lstStyle>
+            <a:lvl1pPr algn="l">
+              <a:defRPr sz="1200"/>
+            </a:lvl1pPr>
+          </a:lstStyle>
+          <a:p>
+            <a:endParaRPr lang="en-US"/>
+          </a:p>
+        </p:txBody>
+      </p:sp>
+      <p:sp>
+        <p:nvSpPr>
+          <p:cNvPr id="3" name="Date Placeholder 2"/>
+          <p:cNvSpPr>
+            <a:spLocks noGrp="1"/>
+          </p:cNvSpPr>
+          <p:nvPr>
+            <p:ph type="dt" idx="1"/>
+          </p:nvPr>
+        </p:nvSpPr>
+        <p:spPr>
+          <a:xfrm>
+            <a:off x="3884613" y="0"/>
+            <a:ext cx="2971800" cy="458788"/>
+          </a:xfrm>
+          <a:prstGeom prst="rect">
+            <a:avLst/>
+          </a:prstGeom>
+        </p:spPr>
+        <p:txBody>
+          <a:bodyPr vert="horz" lIns="91440" tIns="45720" rIns="91440" bIns="45720" rtlCol="0"/>
+          <a:lstStyle>
+            <a:lvl1pPr algn="r">
+              <a:defRPr sz="1200"/>
+            </a:lvl1pPr>
+          </a:lstStyle>
+          <a:p>
+            <a:fld id="{B9E13138-6909-49FB-B163-F94A378E64C4}" type="datetimeFigureOut">
+              <a:rPr lang="en-US" smtClean="0"/>
+              <a:t>13-Nov-15</a:t>
+            </a:fld>
+            <a:endParaRPr lang="en-US"/>
+          </a:p>
+        </p:txBody>
+      </p:sp>
+      <p:sp>
+        <p:nvSpPr>
+          <p:cNvPr id="4" name="Slide Image Placeholder 3"/>
+          <p:cNvSpPr>
+            <a:spLocks noGrp="1" noRot="1" noChangeAspect="1"/>
+          </p:cNvSpPr>
+          <p:nvPr>
+            <p:ph type="sldImg" idx="2"/>
+          </p:nvPr>
+        </p:nvSpPr>
+        <p:spPr>
+          <a:xfrm>
+            <a:off x="685800" y="1143000"/>
+            <a:ext cx="5486400" cy="3086100"/>
+          </a:xfrm>
+          <a:prstGeom prst="rect">
+            <a:avLst/>
+          </a:prstGeom>
+          <a:noFill/>
+          <a:ln w="12700">
+            <a:solidFill>
+              <a:prstClr val="black"/>
+            </a:solidFill>
+          </a:ln>
+        </p:spPr>
+        <p:txBody>
+          <a:bodyPr vert="horz" lIns="91440" tIns="45720" rIns="91440" bIns="45720" rtlCol="0" anchor="ctr"/>
+          <a:lstStyle/>
+          <a:p>
+            <a:endParaRPr lang="en-US"/>
+          </a:p>
+        </p:txBody>
+      </p:sp>
+      <p:sp>
+        <p:nvSpPr>
+          <p:cNvPr id="5" name="Notes Placeholder 4"/>
+          <p:cNvSpPr>
+            <a:spLocks noGrp="1"/>
+          </p:cNvSpPr>
+          <p:nvPr>
+            <p:ph type="body" sz="quarter" idx="3"/>
+          </p:nvPr>
+        </p:nvSpPr>
+        <p:spPr>
+          <a:xfrm>
+            <a:off x="685800" y="4400550"/>
+            <a:ext cx="5486400" cy="3600450"/>
+          </a:xfrm>
+          <a:prstGeom prst="rect">
+            <a:avLst/>
+          </a:prstGeom>
+        </p:spPr>
+        <p:txBody>
+          <a:bodyPr vert="horz" lIns="91440" tIns="45720" rIns="91440" bIns="45720" rtlCol="0"/>
+          <a:lstStyle/>
+          <a:p>
+            <a:pPr lvl="0"/>
+            <a:r>
+              <a:rPr lang="en-US" smtClean="0"/>
+              <a:t>Edit Master text styles</a:t>
+            </a:r>
+          </a:p>
+          <a:p>
+            <a:pPr lvl="1"/>
+            <a:r>
+              <a:rPr lang="en-US" smtClean="0"/>
+              <a:t>Second level</a:t>
+            </a:r>
+          </a:p>
+          <a:p>
+            <a:pPr lvl="2"/>
+            <a:r>
+              <a:rPr lang="en-US" smtClean="0"/>
+              <a:t>Third level</a:t>
+            </a:r>
+          </a:p>
+          <a:p>
+            <a:pPr lvl="3"/>
+            <a:r>
+              <a:rPr lang="en-US" smtClean="0"/>
+              <a:t>Fourth level</a:t>
+            </a:r>
+          </a:p>
+          <a:p>
+            <a:pPr lvl="4"/>
+            <a:r>
+              <a:rPr lang="en-US" smtClean="0"/>
+              <a:t>Fifth level</a:t>
+            </a:r>
+            <a:endParaRPr lang="en-US"/>
+          </a:p>
+        </p:txBody>
+      </p:sp>
+      <p:sp>
+        <p:nvSpPr>
+          <p:cNvPr id="6" name="Footer Placeholder 5"/>
+          <p:cNvSpPr>
+            <a:spLocks noGrp="1"/>
+          </p:cNvSpPr>
+          <p:nvPr>
+            <p:ph type="ftr" sz="quarter" idx="4"/>
+          </p:nvPr>
+        </p:nvSpPr>
+        <p:spPr>
+          <a:xfrm>
+            <a:off x="0" y="8685213"/>
+            <a:ext cx="2971800" cy="458787"/>
+          </a:xfrm>
+          <a:prstGeom prst="rect">
+            <a:avLst/>
+          </a:prstGeom>
+        </p:spPr>
+        <p:txBody>
+          <a:bodyPr vert="horz" lIns="91440" tIns="45720" rIns="91440" bIns="45720" rtlCol="0" anchor="b"/>
+          <a:lstStyle>
+            <a:lvl1pPr algn="l">
+              <a:defRPr sz="1200"/>
+            </a:lvl1pPr>
+          </a:lstStyle>
+          <a:p>
+            <a:endParaRPr lang="en-US"/>
+          </a:p>
+        </p:txBody>
+      </p:sp>
+      <p:sp>
+        <p:nvSpPr>
+          <p:cNvPr id="7" name="Slide Number Placeholder 6"/>
+          <p:cNvSpPr>
+            <a:spLocks noGrp="1"/>
+          </p:cNvSpPr>
+          <p:nvPr>
+            <p:ph type="sldNum" sz="quarter" idx="5"/>
+          </p:nvPr>
+        </p:nvSpPr>
+        <p:spPr>
+          <a:xfrm>
+            <a:off x="3884613" y="8685213"/>
+            <a:ext cx="2971800" cy="458787"/>
+          </a:xfrm>
+          <a:prstGeom prst="rect">
+            <a:avLst/>
+          </a:prstGeom>
+        </p:spPr>
+        <p:txBody>
+          <a:bodyPr vert="horz" lIns="91440" tIns="45720" rIns="91440" bIns="45720" rtlCol="0" anchor="b"/>
+          <a:lstStyle>
+            <a:lvl1pPr algn="r">
+              <a:defRPr sz="1200"/>
+            </a:lvl1pPr>
+          </a:lstStyle>
+          <a:p>
+            <a:fld id="{DEE69482-4354-4DC9-8993-F59B3125D08D}" type="slidenum">
+              <a:rPr lang="en-US" smtClean="0"/>
+              <a:t>‹#›</a:t>
+            </a:fld>
+            <a:endParaRPr lang="en-US"/>
+          </a:p>
+        </p:txBody>
+      </p:sp>
+    </p:spTree>
+    <p:extLst>
+      <p:ext uri="{BB962C8B-B14F-4D97-AF65-F5344CB8AC3E}">
+        <p14:creationId xmlns:p14="http://schemas.microsoft.com/office/powerpoint/2010/main" val="3551346376"/>
+      </p:ext>
+    </p:extLst>
+  </p:cSld>
+  <p:clrMap bg1="lt1" tx1="dk1" bg2="lt2" tx2="dk2" accent1="accent1" accent2="accent2" accent3="accent3" accent4="accent4" accent5="accent5" accent6="accent6" hlink="hlink" folHlink="folHlink"/>
+  <p:notesStyle>
+    <a:lvl1pPr marL="0" algn="l" defTabSz="914400" rtl="0" eaLnBrk="1" latinLnBrk="0" hangingPunct="1">
+      <a:defRPr sz="1200" kern="1200">
+        <a:solidFill>
+          <a:schemeClr val="tx1"/>
+        </a:solidFill>
+        <a:latin typeface="+mn-lt"/>
+        <a:ea typeface="+mn-ea"/>
+        <a:cs typeface="+mn-cs"/>
+      </a:defRPr>
+    </a:lvl1pPr>
+    <a:lvl2pPr marL="457200" algn="l" defTabSz="914400" rtl="0" eaLnBrk="1" latinLnBrk="0" hangingPunct="1">
+      <a:defRPr sz="1200" kern="1200">
+        <a:solidFill>
+          <a:schemeClr val="tx1"/>
+        </a:solidFill>
+        <a:latin typeface="+mn-lt"/>
+        <a:ea typeface="+mn-ea"/>
+        <a:cs typeface="+mn-cs"/>
+      </a:defRPr>
+    </a:lvl2pPr>
+    <a:lvl3pPr marL="914400" algn="l" defTabSz="914400" rtl="0" eaLnBrk="1" latinLnBrk="0" hangingPunct="1">
+      <a:defRPr sz="1200" kern="1200">
+        <a:solidFill>
+          <a:schemeClr val="tx1"/>
+        </a:solidFill>
+        <a:latin typeface="+mn-lt"/>
+        <a:ea typeface="+mn-ea"/>
+        <a:cs typeface="+mn-cs"/>
+      </a:defRPr>
+    </a:lvl3pPr>
+    <a:lvl4pPr marL="1371600" algn="l" defTabSz="914400" rtl="0" eaLnBrk="1" latinLnBrk="0" hangingPunct="1">
+      <a:defRPr sz="1200" kern="1200">
+        <a:solidFill>
+          <a:schemeClr val="tx1"/>
+        </a:solidFill>
+        <a:latin typeface="+mn-lt"/>
+        <a:ea typeface="+mn-ea"/>
+        <a:cs typeface="+mn-cs"/>
+      </a:defRPr>
+    </a:lvl4pPr>
+    <a:lvl5pPr marL="1828800" algn="l" defTabSz="914400" rtl="0" eaLnBrk="1" latinLnBrk="0" hangingPunct="1">
+      <a:defRPr sz="1200" kern="1200">
+        <a:solidFill>
+          <a:schemeClr val="tx1"/>
+        </a:solidFill>
+        <a:latin typeface="+mn-lt"/>
+        <a:ea typeface="+mn-ea"/>
+        <a:cs typeface="+mn-cs"/>
+      </a:defRPr>
+    </a:lvl5pPr>
+    <a:lvl6pPr marL="2286000" algn="l" defTabSz="914400" rtl="0" eaLnBrk="1" latinLnBrk="0" hangingPunct="1">
+      <a:defRPr sz="1200" kern="1200">
+        <a:solidFill>
+          <a:schemeClr val="tx1"/>
+        </a:solidFill>
+        <a:latin typeface="+mn-lt"/>
+        <a:ea typeface="+mn-ea"/>
+        <a:cs typeface="+mn-cs"/>
+      </a:defRPr>
+    </a:lvl6pPr>
+    <a:lvl7pPr marL="2743200" algn="l" defTabSz="914400" rtl="0" eaLnBrk="1" latinLnBrk="0" hangingPunct="1">
+      <a:defRPr sz="1200" kern="1200">
+        <a:solidFill>
+          <a:schemeClr val="tx1"/>
+        </a:solidFill>
+        <a:latin typeface="+mn-lt"/>
+        <a:ea typeface="+mn-ea"/>
+        <a:cs typeface="+mn-cs"/>
+      </a:defRPr>
+    </a:lvl7pPr>
+    <a:lvl8pPr marL="3200400" algn="l" defTabSz="914400" rtl="0" eaLnBrk="1" latinLnBrk="0" hangingPunct="1">
+      <a:defRPr sz="1200" kern="1200">
+        <a:solidFill>
+          <a:schemeClr val="tx1"/>
+        </a:solidFill>
+        <a:latin typeface="+mn-lt"/>
+        <a:ea typeface="+mn-ea"/>
+        <a:cs typeface="+mn-cs"/>
+      </a:defRPr>
+    </a:lvl8pPr>
+    <a:lvl9pPr marL="3657600" algn="l" defTabSz="914400" rtl="0" eaLnBrk="1" latinLnBrk="0" hangingPunct="1">
+      <a:defRPr sz="1200" kern="1200">
+        <a:solidFill>
+          <a:schemeClr val="tx1"/>
+        </a:solidFill>
+        <a:latin typeface="+mn-lt"/>
+        <a:ea typeface="+mn-ea"/>
+        <a:cs typeface="+mn-cs"/>
+      </a:defRPr>
+    </a:lvl9pPr>
+  </p:notesStyle>
+</p:notesMaster>
+</file>
+
+<file path=ppt/notesSlides/notesSlide1.xml><?xml version="1.0" encoding="utf-8"?>
+<p:notes xmlns:a="http://schemas.openxmlformats.org/drawingml/2006/main" xmlns:r="http://schemas.openxmlformats.org/officeDocument/2006/relationships" xmlns:p="http://schemas.openxmlformats.org/presentationml/2006/main">
+  <p:cSld>
+    <p:spTree>
+      <p:nvGrpSpPr>
+        <p:cNvPr id="1" name=""/>
+        <p:cNvGrpSpPr/>
+        <p:nvPr/>
+      </p:nvGrpSpPr>
+      <p:grpSpPr>
+        <a:xfrm>
+          <a:off x="0" y="0"/>
+          <a:ext cx="0" cy="0"/>
+          <a:chOff x="0" y="0"/>
+          <a:chExt cx="0" cy="0"/>
+        </a:xfrm>
+      </p:grpSpPr>
+      <p:sp>
+        <p:nvSpPr>
+          <p:cNvPr id="2" name="Slide Image Placeholder 1"/>
+          <p:cNvSpPr>
+            <a:spLocks noGrp="1" noRot="1" noChangeAspect="1"/>
+          </p:cNvSpPr>
+          <p:nvPr>
+            <p:ph type="sldImg"/>
+          </p:nvPr>
+        </p:nvSpPr>
+        <p:spPr/>
+      </p:sp>
+      <p:sp>
+        <p:nvSpPr>
+          <p:cNvPr id="3" name="Notes Placeholder 2"/>
+          <p:cNvSpPr>
+            <a:spLocks noGrp="1"/>
+          </p:cNvSpPr>
+          <p:nvPr>
+            <p:ph type="body" idx="1"/>
+          </p:nvPr>
+        </p:nvSpPr>
+        <p:spPr/>
+        <p:txBody>
+          <a:bodyPr/>
+          <a:lstStyle/>
+          <a:p>
+            <a:r>
+              <a:rPr lang="de-DE" dirty="0" smtClean="0"/>
+              <a:t>Video: http://www.edn.com/electronics-blogs/nasa--revealing-the-unknown-to-benefit-all-humankind/4418667/Mariner-1-destroyed-due-to-code-error--July-22--1962</a:t>
+            </a:r>
+          </a:p>
+          <a:p>
+            <a:r>
+              <a:rPr lang="de-DE" smtClean="0"/>
+              <a:t>Official</a:t>
+            </a:r>
+            <a:r>
+              <a:rPr lang="de-DE" baseline="0" smtClean="0"/>
+              <a:t> NASA Statement: http://nssdc.gsfc.nasa.gov/nmc/spacecraftDisplay.do?id=MARIN1</a:t>
+            </a:r>
+            <a:endParaRPr lang="en-US"/>
+          </a:p>
+        </p:txBody>
+      </p:sp>
+      <p:sp>
+        <p:nvSpPr>
+          <p:cNvPr id="4" name="Slide Number Placeholder 3"/>
+          <p:cNvSpPr>
+            <a:spLocks noGrp="1"/>
+          </p:cNvSpPr>
+          <p:nvPr>
+            <p:ph type="sldNum" sz="quarter" idx="10"/>
+          </p:nvPr>
+        </p:nvSpPr>
+        <p:spPr/>
+        <p:txBody>
+          <a:bodyPr/>
+          <a:lstStyle/>
+          <a:p>
+            <a:fld id="{DEE69482-4354-4DC9-8993-F59B3125D08D}" type="slidenum">
+              <a:rPr lang="en-US" smtClean="0"/>
+              <a:t>2</a:t>
+            </a:fld>
+            <a:endParaRPr lang="en-US"/>
+          </a:p>
+        </p:txBody>
+      </p:sp>
+    </p:spTree>
+    <p:extLst>
+      <p:ext uri="{BB962C8B-B14F-4D97-AF65-F5344CB8AC3E}">
+        <p14:creationId xmlns:p14="http://schemas.microsoft.com/office/powerpoint/2010/main" val="3445598555"/>
+      </p:ext>
+    </p:extLst>
+  </p:cSld>
+  <p:clrMapOvr>
+    <a:masterClrMapping/>
+  </p:clrMapOvr>
+</p:notes>
 </file>
 
 <file path=ppt/slideLayouts/slideLayout1.xml><?xml version="1.0" encoding="utf-8"?>
@@ -471,7 +925,7 @@
           <a:p>
             <a:fld id="{6C29C28F-3FE5-4AC9-871C-AB4FBAE186B6}" type="datetimeFigureOut">
               <a:rPr lang="en-US" smtClean="0"/>
-              <a:t>13.11.2015</a:t>
+              <a:t>13-Nov-15</a:t>
             </a:fld>
             <a:endParaRPr lang="en-US"/>
           </a:p>
@@ -746,7 +1200,7 @@
           <a:p>
             <a:fld id="{6C29C28F-3FE5-4AC9-871C-AB4FBAE186B6}" type="datetimeFigureOut">
               <a:rPr lang="en-US" smtClean="0"/>
-              <a:t>13.11.2015</a:t>
+              <a:t>13-Nov-15</a:t>
             </a:fld>
             <a:endParaRPr lang="en-US"/>
           </a:p>
@@ -940,7 +1394,7 @@
           <a:p>
             <a:fld id="{6C29C28F-3FE5-4AC9-871C-AB4FBAE186B6}" type="datetimeFigureOut">
               <a:rPr lang="en-US" smtClean="0"/>
-              <a:t>13.11.2015</a:t>
+              <a:t>13-Nov-15</a:t>
             </a:fld>
             <a:endParaRPr lang="en-US"/>
           </a:p>
@@ -1213,7 +1667,7 @@
           <a:p>
             <a:fld id="{6C29C28F-3FE5-4AC9-871C-AB4FBAE186B6}" type="datetimeFigureOut">
               <a:rPr lang="en-US" smtClean="0"/>
-              <a:t>13.11.2015</a:t>
+              <a:t>13-Nov-15</a:t>
             </a:fld>
             <a:endParaRPr lang="en-US"/>
           </a:p>
@@ -1554,7 +2008,7 @@
           <a:p>
             <a:fld id="{6C29C28F-3FE5-4AC9-871C-AB4FBAE186B6}" type="datetimeFigureOut">
               <a:rPr lang="en-US" smtClean="0"/>
-              <a:t>13.11.2015</a:t>
+              <a:t>13-Nov-15</a:t>
             </a:fld>
             <a:endParaRPr lang="en-US"/>
           </a:p>
@@ -2177,7 +2631,7 @@
           <a:p>
             <a:fld id="{6C29C28F-3FE5-4AC9-871C-AB4FBAE186B6}" type="datetimeFigureOut">
               <a:rPr lang="en-US" smtClean="0"/>
-              <a:t>13.11.2015</a:t>
+              <a:t>13-Nov-15</a:t>
             </a:fld>
             <a:endParaRPr lang="en-US"/>
           </a:p>
@@ -3037,7 +3491,7 @@
           <a:p>
             <a:fld id="{6C29C28F-3FE5-4AC9-871C-AB4FBAE186B6}" type="datetimeFigureOut">
               <a:rPr lang="en-US" smtClean="0"/>
-              <a:t>13.11.2015</a:t>
+              <a:t>13-Nov-15</a:t>
             </a:fld>
             <a:endParaRPr lang="en-US"/>
           </a:p>
@@ -3207,7 +3661,7 @@
           <a:p>
             <a:fld id="{6C29C28F-3FE5-4AC9-871C-AB4FBAE186B6}" type="datetimeFigureOut">
               <a:rPr lang="en-US" smtClean="0"/>
-              <a:t>13.11.2015</a:t>
+              <a:t>13-Nov-15</a:t>
             </a:fld>
             <a:endParaRPr lang="en-US"/>
           </a:p>
@@ -3387,7 +3841,7 @@
           <a:p>
             <a:fld id="{6C29C28F-3FE5-4AC9-871C-AB4FBAE186B6}" type="datetimeFigureOut">
               <a:rPr lang="en-US" smtClean="0"/>
-              <a:t>13.11.2015</a:t>
+              <a:t>13-Nov-15</a:t>
             </a:fld>
             <a:endParaRPr lang="en-US"/>
           </a:p>
@@ -3557,7 +4011,7 @@
           <a:p>
             <a:fld id="{6C29C28F-3FE5-4AC9-871C-AB4FBAE186B6}" type="datetimeFigureOut">
               <a:rPr lang="en-US" smtClean="0"/>
-              <a:t>13.11.2015</a:t>
+              <a:t>13-Nov-15</a:t>
             </a:fld>
             <a:endParaRPr lang="en-US"/>
           </a:p>
@@ -3804,7 +4258,7 @@
           <a:p>
             <a:fld id="{6C29C28F-3FE5-4AC9-871C-AB4FBAE186B6}" type="datetimeFigureOut">
               <a:rPr lang="en-US" smtClean="0"/>
-              <a:t>13.11.2015</a:t>
+              <a:t>13-Nov-15</a:t>
             </a:fld>
             <a:endParaRPr lang="en-US"/>
           </a:p>
@@ -4096,7 +4550,7 @@
           <a:p>
             <a:fld id="{6C29C28F-3FE5-4AC9-871C-AB4FBAE186B6}" type="datetimeFigureOut">
               <a:rPr lang="en-US" smtClean="0"/>
-              <a:t>13.11.2015</a:t>
+              <a:t>13-Nov-15</a:t>
             </a:fld>
             <a:endParaRPr lang="en-US"/>
           </a:p>
@@ -4540,7 +4994,7 @@
           <a:p>
             <a:fld id="{6C29C28F-3FE5-4AC9-871C-AB4FBAE186B6}" type="datetimeFigureOut">
               <a:rPr lang="en-US" smtClean="0"/>
-              <a:t>13.11.2015</a:t>
+              <a:t>13-Nov-15</a:t>
             </a:fld>
             <a:endParaRPr lang="en-US"/>
           </a:p>
@@ -4658,7 +5112,7 @@
           <a:p>
             <a:fld id="{6C29C28F-3FE5-4AC9-871C-AB4FBAE186B6}" type="datetimeFigureOut">
               <a:rPr lang="en-US" smtClean="0"/>
-              <a:t>13.11.2015</a:t>
+              <a:t>13-Nov-15</a:t>
             </a:fld>
             <a:endParaRPr lang="en-US"/>
           </a:p>
@@ -4753,7 +5207,7 @@
           <a:p>
             <a:fld id="{6C29C28F-3FE5-4AC9-871C-AB4FBAE186B6}" type="datetimeFigureOut">
               <a:rPr lang="en-US" smtClean="0"/>
-              <a:t>13.11.2015</a:t>
+              <a:t>13-Nov-15</a:t>
             </a:fld>
             <a:endParaRPr lang="en-US"/>
           </a:p>
@@ -5032,7 +5486,7 @@
           <a:p>
             <a:fld id="{6C29C28F-3FE5-4AC9-871C-AB4FBAE186B6}" type="datetimeFigureOut">
               <a:rPr lang="en-US" smtClean="0"/>
-              <a:t>13.11.2015</a:t>
+              <a:t>13-Nov-15</a:t>
             </a:fld>
             <a:endParaRPr lang="en-US"/>
           </a:p>
@@ -5307,7 +5761,7 @@
           <a:p>
             <a:fld id="{6C29C28F-3FE5-4AC9-871C-AB4FBAE186B6}" type="datetimeFigureOut">
               <a:rPr lang="en-US" smtClean="0"/>
-              <a:t>13.11.2015</a:t>
+              <a:t>13-Nov-15</a:t>
             </a:fld>
             <a:endParaRPr lang="en-US"/>
           </a:p>
@@ -5770,7 +6224,7 @@
           <a:p>
             <a:fld id="{6C29C28F-3FE5-4AC9-871C-AB4FBAE186B6}" type="datetimeFigureOut">
               <a:rPr lang="en-US" smtClean="0"/>
-              <a:t>13.11.2015</a:t>
+              <a:t>13-Nov-15</a:t>
             </a:fld>
             <a:endParaRPr lang="en-US"/>
           </a:p>
@@ -7159,7 +7613,7 @@
           <p:nvPr/>
         </p:nvPicPr>
         <p:blipFill>
-          <a:blip r:embed="rId2">
+          <a:blip r:embed="rId3">
             <a:extLst>
               <a:ext uri="{28A0092B-C50C-407E-A947-70E740481C1C}">
                 <a14:useLocalDpi xmlns:a14="http://schemas.microsoft.com/office/drawing/2010/main" val="0"/>
@@ -7913,7 +8367,6 @@
               <a:rPr lang="en-US" sz="2800" dirty="0"/>
               <a:t>caused the computer to swing automatically into a series of unnecessary course corrections with erroneous steering commands which finally threw the spacecraft off course.</a:t>
             </a:r>
-            <a:endParaRPr lang="en-US" sz="2800" dirty="0"/>
           </a:p>
         </p:txBody>
       </p:sp>
@@ -8754,6 +9207,267 @@
         <a:latin typeface="Calibri Light" panose="020F0302020204030204"/>
         <a:ea typeface=""/>
         <a:cs typeface=""/>
+        <a:font script="Jpan" typeface="游ゴシック Light"/>
+        <a:font script="Hang" typeface="맑은 고딕"/>
+        <a:font script="Hans" typeface="等线 Light"/>
+        <a:font script="Hant" typeface="新細明體"/>
+        <a:font script="Arab" typeface="Times New Roman"/>
+        <a:font script="Hebr" typeface="Times New Roman"/>
+        <a:font script="Thai" typeface="Angsana New"/>
+        <a:font script="Ethi" typeface="Nyala"/>
+        <a:font script="Beng" typeface="Vrinda"/>
+        <a:font script="Gujr" typeface="Shruti"/>
+        <a:font script="Khmr" typeface="MoolBoran"/>
+        <a:font script="Knda" typeface="Tunga"/>
+        <a:font script="Guru" typeface="Raavi"/>
+        <a:font script="Cans" typeface="Euphemia"/>
+        <a:font script="Cher" typeface="Plantagenet Cherokee"/>
+        <a:font script="Yiii" typeface="Microsoft Yi Baiti"/>
+        <a:font script="Tibt" typeface="Microsoft Himalaya"/>
+        <a:font script="Thaa" typeface="MV Boli"/>
+        <a:font script="Deva" typeface="Mangal"/>
+        <a:font script="Telu" typeface="Gautami"/>
+        <a:font script="Taml" typeface="Latha"/>
+        <a:font script="Syrc" typeface="Estrangelo Edessa"/>
+        <a:font script="Orya" typeface="Kalinga"/>
+        <a:font script="Mlym" typeface="Kartika"/>
+        <a:font script="Laoo" typeface="DokChampa"/>
+        <a:font script="Sinh" typeface="Iskoola Pota"/>
+        <a:font script="Mong" typeface="Mongolian Baiti"/>
+        <a:font script="Viet" typeface="Times New Roman"/>
+        <a:font script="Uigh" typeface="Microsoft Uighur"/>
+        <a:font script="Geor" typeface="Sylfaen"/>
+      </a:majorFont>
+      <a:minorFont>
+        <a:latin typeface="Calibri" panose="020F0502020204030204"/>
+        <a:ea typeface=""/>
+        <a:cs typeface=""/>
+        <a:font script="Jpan" typeface="游ゴシック"/>
+        <a:font script="Hang" typeface="맑은 고딕"/>
+        <a:font script="Hans" typeface="等线"/>
+        <a:font script="Hant" typeface="新細明體"/>
+        <a:font script="Arab" typeface="Arial"/>
+        <a:font script="Hebr" typeface="Arial"/>
+        <a:font script="Thai" typeface="Cordia New"/>
+        <a:font script="Ethi" typeface="Nyala"/>
+        <a:font script="Beng" typeface="Vrinda"/>
+        <a:font script="Gujr" typeface="Shruti"/>
+        <a:font script="Khmr" typeface="DaunPenh"/>
+        <a:font script="Knda" typeface="Tunga"/>
+        <a:font script="Guru" typeface="Raavi"/>
+        <a:font script="Cans" typeface="Euphemia"/>
+        <a:font script="Cher" typeface="Plantagenet Cherokee"/>
+        <a:font script="Yiii" typeface="Microsoft Yi Baiti"/>
+        <a:font script="Tibt" typeface="Microsoft Himalaya"/>
+        <a:font script="Thaa" typeface="MV Boli"/>
+        <a:font script="Deva" typeface="Mangal"/>
+        <a:font script="Telu" typeface="Gautami"/>
+        <a:font script="Taml" typeface="Latha"/>
+        <a:font script="Syrc" typeface="Estrangelo Edessa"/>
+        <a:font script="Orya" typeface="Kalinga"/>
+        <a:font script="Mlym" typeface="Kartika"/>
+        <a:font script="Laoo" typeface="DokChampa"/>
+        <a:font script="Sinh" typeface="Iskoola Pota"/>
+        <a:font script="Mong" typeface="Mongolian Baiti"/>
+        <a:font script="Viet" typeface="Arial"/>
+        <a:font script="Uigh" typeface="Microsoft Uighur"/>
+        <a:font script="Geor" typeface="Sylfaen"/>
+      </a:minorFont>
+    </a:fontScheme>
+    <a:fmtScheme name="Office">
+      <a:fillStyleLst>
+        <a:solidFill>
+          <a:schemeClr val="phClr"/>
+        </a:solidFill>
+        <a:gradFill rotWithShape="1">
+          <a:gsLst>
+            <a:gs pos="0">
+              <a:schemeClr val="phClr">
+                <a:lumMod val="110000"/>
+                <a:satMod val="105000"/>
+                <a:tint val="67000"/>
+              </a:schemeClr>
+            </a:gs>
+            <a:gs pos="50000">
+              <a:schemeClr val="phClr">
+                <a:lumMod val="105000"/>
+                <a:satMod val="103000"/>
+                <a:tint val="73000"/>
+              </a:schemeClr>
+            </a:gs>
+            <a:gs pos="100000">
+              <a:schemeClr val="phClr">
+                <a:lumMod val="105000"/>
+                <a:satMod val="109000"/>
+                <a:tint val="81000"/>
+              </a:schemeClr>
+            </a:gs>
+          </a:gsLst>
+          <a:lin ang="5400000" scaled="0"/>
+        </a:gradFill>
+        <a:gradFill rotWithShape="1">
+          <a:gsLst>
+            <a:gs pos="0">
+              <a:schemeClr val="phClr">
+                <a:satMod val="103000"/>
+                <a:lumMod val="102000"/>
+                <a:tint val="94000"/>
+              </a:schemeClr>
+            </a:gs>
+            <a:gs pos="50000">
+              <a:schemeClr val="phClr">
+                <a:satMod val="110000"/>
+                <a:lumMod val="100000"/>
+                <a:shade val="100000"/>
+              </a:schemeClr>
+            </a:gs>
+            <a:gs pos="100000">
+              <a:schemeClr val="phClr">
+                <a:lumMod val="99000"/>
+                <a:satMod val="120000"/>
+                <a:shade val="78000"/>
+              </a:schemeClr>
+            </a:gs>
+          </a:gsLst>
+          <a:lin ang="5400000" scaled="0"/>
+        </a:gradFill>
+      </a:fillStyleLst>
+      <a:lnStyleLst>
+        <a:ln w="6350" cap="flat" cmpd="sng" algn="ctr">
+          <a:solidFill>
+            <a:schemeClr val="phClr"/>
+          </a:solidFill>
+          <a:prstDash val="solid"/>
+          <a:miter lim="800000"/>
+        </a:ln>
+        <a:ln w="12700" cap="flat" cmpd="sng" algn="ctr">
+          <a:solidFill>
+            <a:schemeClr val="phClr"/>
+          </a:solidFill>
+          <a:prstDash val="solid"/>
+          <a:miter lim="800000"/>
+        </a:ln>
+        <a:ln w="19050" cap="flat" cmpd="sng" algn="ctr">
+          <a:solidFill>
+            <a:schemeClr val="phClr"/>
+          </a:solidFill>
+          <a:prstDash val="solid"/>
+          <a:miter lim="800000"/>
+        </a:ln>
+      </a:lnStyleLst>
+      <a:effectStyleLst>
+        <a:effectStyle>
+          <a:effectLst/>
+        </a:effectStyle>
+        <a:effectStyle>
+          <a:effectLst/>
+        </a:effectStyle>
+        <a:effectStyle>
+          <a:effectLst>
+            <a:outerShdw blurRad="57150" dist="19050" dir="5400000" algn="ctr" rotWithShape="0">
+              <a:srgbClr val="000000">
+                <a:alpha val="63000"/>
+              </a:srgbClr>
+            </a:outerShdw>
+          </a:effectLst>
+        </a:effectStyle>
+      </a:effectStyleLst>
+      <a:bgFillStyleLst>
+        <a:solidFill>
+          <a:schemeClr val="phClr"/>
+        </a:solidFill>
+        <a:solidFill>
+          <a:schemeClr val="phClr">
+            <a:tint val="95000"/>
+            <a:satMod val="170000"/>
+          </a:schemeClr>
+        </a:solidFill>
+        <a:gradFill rotWithShape="1">
+          <a:gsLst>
+            <a:gs pos="0">
+              <a:schemeClr val="phClr">
+                <a:tint val="93000"/>
+                <a:satMod val="150000"/>
+                <a:shade val="98000"/>
+                <a:lumMod val="102000"/>
+              </a:schemeClr>
+            </a:gs>
+            <a:gs pos="50000">
+              <a:schemeClr val="phClr">
+                <a:tint val="98000"/>
+                <a:satMod val="130000"/>
+                <a:shade val="90000"/>
+                <a:lumMod val="103000"/>
+              </a:schemeClr>
+            </a:gs>
+            <a:gs pos="100000">
+              <a:schemeClr val="phClr">
+                <a:shade val="63000"/>
+                <a:satMod val="120000"/>
+              </a:schemeClr>
+            </a:gs>
+          </a:gsLst>
+          <a:lin ang="5400000" scaled="0"/>
+        </a:gradFill>
+      </a:bgFillStyleLst>
+    </a:fmtScheme>
+  </a:themeElements>
+  <a:objectDefaults/>
+  <a:extraClrSchemeLst/>
+  <a:extLst>
+    <a:ext uri="{05A4C25C-085E-4340-85A3-A5531E510DB2}">
+      <thm15:themeFamily xmlns:thm15="http://schemas.microsoft.com/office/thememl/2012/main" name="Office Theme" id="{62F939B6-93AF-4DB8-9C6B-D6C7DFDC589F}" vid="{4A3C46E8-61CC-4603-A589-7422A47A8E4A}"/>
+    </a:ext>
+  </a:extLst>
+</a:theme>
+</file>
+
+<file path=ppt/theme/theme3.xml><?xml version="1.0" encoding="utf-8"?>
+<a:theme xmlns:a="http://schemas.openxmlformats.org/drawingml/2006/main" name="Office Theme">
+  <a:themeElements>
+    <a:clrScheme name="Office">
+      <a:dk1>
+        <a:sysClr val="windowText" lastClr="000000"/>
+      </a:dk1>
+      <a:lt1>
+        <a:sysClr val="window" lastClr="FFFFFF"/>
+      </a:lt1>
+      <a:dk2>
+        <a:srgbClr val="44546A"/>
+      </a:dk2>
+      <a:lt2>
+        <a:srgbClr val="E7E6E6"/>
+      </a:lt2>
+      <a:accent1>
+        <a:srgbClr val="5B9BD5"/>
+      </a:accent1>
+      <a:accent2>
+        <a:srgbClr val="ED7D31"/>
+      </a:accent2>
+      <a:accent3>
+        <a:srgbClr val="A5A5A5"/>
+      </a:accent3>
+      <a:accent4>
+        <a:srgbClr val="FFC000"/>
+      </a:accent4>
+      <a:accent5>
+        <a:srgbClr val="4472C4"/>
+      </a:accent5>
+      <a:accent6>
+        <a:srgbClr val="70AD47"/>
+      </a:accent6>
+      <a:hlink>
+        <a:srgbClr val="0563C1"/>
+      </a:hlink>
+      <a:folHlink>
+        <a:srgbClr val="954F72"/>
+      </a:folHlink>
+    </a:clrScheme>
+    <a:fontScheme name="Office">
+      <a:majorFont>
+        <a:latin typeface="Calibri Light" panose="020F0302020204030204"/>
+        <a:ea typeface=""/>
+        <a:cs typeface=""/>
         <a:font script="Jpan" typeface="ＭＳ Ｐゴシック"/>
         <a:font script="Hang" typeface="맑은 고딕"/>
         <a:font script="Hans" typeface="宋体"/>
